--- a/13 文件输入输出.pptx
+++ b/13 文件输入输出.pptx
@@ -5,11 +5,13 @@
     <p:sldMasterId id="2147483822" r:id="rId1"/>
   </p:sldMasterIdLst>
   <p:notesMasterIdLst>
-    <p:notesMasterId r:id="rId4"/>
+    <p:notesMasterId r:id="rId6"/>
   </p:notesMasterIdLst>
   <p:sldIdLst>
     <p:sldId id="256" r:id="rId2"/>
     <p:sldId id="257" r:id="rId3"/>
+    <p:sldId id="258" r:id="rId4"/>
+    <p:sldId id="259" r:id="rId5"/>
   </p:sldIdLst>
   <p:sldSz cx="12192000" cy="6858000"/>
   <p:notesSz cx="6858000" cy="9144000"/>
@@ -6898,31 +6900,6 @@
       </p:grpSpPr>
       <p:sp>
         <p:nvSpPr>
-          <p:cNvPr id="2" name="标题 1">
-            <a:extLst>
-              <a:ext uri="{FF2B5EF4-FFF2-40B4-BE49-F238E27FC236}">
-                <a16:creationId xmlns:a16="http://schemas.microsoft.com/office/drawing/2014/main" id="{00B2F59D-E2E2-41F3-A65C-6F06754F66EB}"/>
-              </a:ext>
-            </a:extLst>
-          </p:cNvPr>
-          <p:cNvSpPr>
-            <a:spLocks noGrp="1"/>
-          </p:cNvSpPr>
-          <p:nvPr>
-            <p:ph type="title"/>
-          </p:nvPr>
-        </p:nvSpPr>
-        <p:spPr/>
-        <p:txBody>
-          <a:bodyPr/>
-          <a:lstStyle/>
-          <a:p>
-            <a:endParaRPr lang="zh-CN" altLang="en-US"/>
-          </a:p>
-        </p:txBody>
-      </p:sp>
-      <p:sp>
-        <p:nvSpPr>
           <p:cNvPr id="3" name="内容占位符 2">
             <a:extLst>
               <a:ext uri="{FF2B5EF4-FFF2-40B4-BE49-F238E27FC236}">
@@ -6939,7 +6916,9 @@
         </p:nvSpPr>
         <p:spPr/>
         <p:txBody>
-          <a:bodyPr/>
+          <a:bodyPr>
+            <a:normAutofit lnSpcReduction="10000"/>
+          </a:bodyPr>
           <a:lstStyle/>
           <a:p>
             <a:pPr marL="0" indent="0">
@@ -6950,8 +6929,176 @@
               <a:t>13.1 </a:t>
             </a:r>
             <a:r>
-              <a:rPr lang="zh-CN" altLang="en-US"/>
+              <a:rPr lang="zh-CN" altLang="en-US" dirty="0"/>
               <a:t>与文件进行通信</a:t>
+            </a:r>
+            <a:endParaRPr lang="en-US" altLang="zh-CN" dirty="0"/>
+          </a:p>
+          <a:p>
+            <a:pPr marL="400050" lvl="1" indent="0">
+              <a:buNone/>
+            </a:pPr>
+            <a:r>
+              <a:rPr lang="zh-CN" altLang="en-US" sz="1600" dirty="0"/>
+              <a:t>有时，需要程序从文件中读取信息或把信息写入文件。这种程序和文件交互的形式就是文件重定向，然后利用重定向方式访问文件粗糙简陋，需要更强大的方式去操作文件</a:t>
+            </a:r>
+            <a:endParaRPr lang="en-US" altLang="zh-CN" sz="1600" dirty="0"/>
+          </a:p>
+          <a:p>
+            <a:pPr marL="400050" lvl="1" indent="0">
+              <a:buNone/>
+            </a:pPr>
+            <a:r>
+              <a:rPr lang="en-US" altLang="zh-CN" sz="1600" dirty="0"/>
+              <a:t>13.1.1 </a:t>
+            </a:r>
+            <a:r>
+              <a:rPr lang="zh-CN" altLang="en-US" sz="1600" dirty="0"/>
+              <a:t>文件</a:t>
+            </a:r>
+            <a:endParaRPr lang="en-US" altLang="zh-CN" sz="1600" dirty="0"/>
+          </a:p>
+          <a:p>
+            <a:pPr marL="685800" lvl="1">
+              <a:buFont typeface="Wingdings" panose="05000000000000000000" pitchFamily="2" charset="2"/>
+              <a:buChar char="Ø"/>
+            </a:pPr>
+            <a:r>
+              <a:rPr lang="zh-CN" altLang="en-US" sz="1600" dirty="0"/>
+              <a:t>文件通常是在磁盘或者固态硬盘上一段已命名的存储区</a:t>
+            </a:r>
+            <a:endParaRPr lang="en-US" altLang="zh-CN" sz="1600" dirty="0"/>
+          </a:p>
+          <a:p>
+            <a:pPr marL="685800" lvl="1">
+              <a:buFont typeface="Wingdings" panose="05000000000000000000" pitchFamily="2" charset="2"/>
+              <a:buChar char="Ø"/>
+            </a:pPr>
+            <a:r>
+              <a:rPr lang="zh-CN" altLang="en-US" sz="1600" dirty="0"/>
+              <a:t>操作系统管理文件，定义文件的存储，文件内的信息，文件的种类</a:t>
+            </a:r>
+            <a:endParaRPr lang="en-US" altLang="zh-CN" sz="1600" dirty="0"/>
+          </a:p>
+          <a:p>
+            <a:pPr marL="685800" lvl="1">
+              <a:buFont typeface="Wingdings" panose="05000000000000000000" pitchFamily="2" charset="2"/>
+              <a:buChar char="Ø"/>
+            </a:pPr>
+            <a:r>
+              <a:rPr lang="zh-CN" altLang="en-US" sz="1600" dirty="0"/>
+              <a:t>程序员关心的是</a:t>
+            </a:r>
+            <a:r>
+              <a:rPr lang="en-US" altLang="zh-CN" sz="1600" dirty="0"/>
+              <a:t>C</a:t>
+            </a:r>
+            <a:r>
+              <a:rPr lang="zh-CN" altLang="en-US" sz="1600" dirty="0"/>
+              <a:t>语言如何处理文件</a:t>
+            </a:r>
+            <a:endParaRPr lang="en-US" altLang="zh-CN" sz="1600" dirty="0"/>
+          </a:p>
+          <a:p>
+            <a:pPr marL="685800" lvl="1">
+              <a:buFont typeface="Wingdings" panose="05000000000000000000" pitchFamily="2" charset="2"/>
+              <a:buChar char="Ø"/>
+            </a:pPr>
+            <a:r>
+              <a:rPr lang="en-US" altLang="zh-CN" sz="1600" dirty="0"/>
+              <a:t>C</a:t>
+            </a:r>
+            <a:r>
+              <a:rPr lang="zh-CN" altLang="en-US" sz="1600" dirty="0"/>
+              <a:t>把文件看作一系列连续的字节，每个字节都能被单独读取</a:t>
+            </a:r>
+            <a:endParaRPr lang="en-US" altLang="zh-CN" sz="1600" dirty="0"/>
+          </a:p>
+          <a:p>
+            <a:pPr marL="685800" lvl="1">
+              <a:buFont typeface="Wingdings" panose="05000000000000000000" pitchFamily="2" charset="2"/>
+              <a:buChar char="Ø"/>
+            </a:pPr>
+            <a:r>
+              <a:rPr lang="en-US" altLang="zh-CN" sz="1600" dirty="0"/>
+              <a:t>C</a:t>
+            </a:r>
+            <a:r>
+              <a:rPr lang="zh-CN" altLang="en-US" sz="1600" dirty="0"/>
+              <a:t>提供两种文件模式：文本模式和二进制模式</a:t>
+            </a:r>
+            <a:endParaRPr lang="en-US" altLang="zh-CN" sz="1600" dirty="0"/>
+          </a:p>
+          <a:p>
+            <a:pPr marL="400050" lvl="1" indent="0">
+              <a:buNone/>
+            </a:pPr>
+            <a:r>
+              <a:rPr lang="en-US" altLang="zh-CN" sz="1600" dirty="0"/>
+              <a:t>13.1.2 </a:t>
+            </a:r>
+            <a:r>
+              <a:rPr lang="zh-CN" altLang="en-US" sz="1600" dirty="0"/>
+              <a:t>文本模式和二进制模式</a:t>
+            </a:r>
+            <a:endParaRPr lang="en-US" altLang="zh-CN" sz="1600" dirty="0"/>
+          </a:p>
+          <a:p>
+            <a:pPr marL="400050" lvl="1" indent="0">
+              <a:buNone/>
+            </a:pPr>
+            <a:r>
+              <a:rPr lang="zh-CN" altLang="en-US" sz="1600" dirty="0"/>
+              <a:t>区分文本内容和二进制内容，文本格式和二进制格式，文本模式和 二进制模式</a:t>
+            </a:r>
+            <a:endParaRPr lang="en-US" altLang="zh-CN" sz="1600" dirty="0"/>
+          </a:p>
+          <a:p>
+            <a:pPr marL="685800" lvl="1">
+              <a:buFont typeface="Wingdings" panose="05000000000000000000" pitchFamily="2" charset="2"/>
+              <a:buChar char="Ø"/>
+            </a:pPr>
+            <a:r>
+              <a:rPr lang="zh-CN" altLang="en-US" sz="1600" dirty="0"/>
+              <a:t>所有文件的内容都以二进制形式存储，如果文件最初以二进制编码字符表示文本，则该文件是文本文件</a:t>
+            </a:r>
+            <a:endParaRPr lang="en-US" altLang="zh-CN" sz="1600" dirty="0"/>
+          </a:p>
+          <a:p>
+            <a:pPr marL="685800" lvl="1">
+              <a:buFont typeface="Wingdings" panose="05000000000000000000" pitchFamily="2" charset="2"/>
+              <a:buChar char="Ø"/>
+            </a:pPr>
+            <a:r>
+              <a:rPr lang="zh-CN" altLang="en-US" sz="1600" dirty="0"/>
+              <a:t>为了规范文本的处理，</a:t>
+            </a:r>
+            <a:r>
+              <a:rPr lang="en-US" altLang="zh-CN" sz="1600" dirty="0"/>
+              <a:t>C</a:t>
+            </a:r>
+            <a:r>
+              <a:rPr lang="zh-CN" altLang="en-US" sz="1600" dirty="0"/>
+              <a:t>提供两种访问文件的途径：二进制模式和文本模式</a:t>
+            </a:r>
+            <a:endParaRPr lang="en-US" altLang="zh-CN" sz="1600" dirty="0"/>
+          </a:p>
+          <a:p>
+            <a:pPr marL="685800" lvl="1">
+              <a:buFont typeface="Wingdings" panose="05000000000000000000" pitchFamily="2" charset="2"/>
+              <a:buChar char="Ø"/>
+            </a:pPr>
+            <a:r>
+              <a:rPr lang="zh-CN" altLang="en-US" sz="1600" dirty="0"/>
+              <a:t>二进制模式中，程序可以访问文件的每个字节，文本模式中，程序所见的内容和文件的内容不同，程序以文本模式读取文件时，本地环境会把文本映射成</a:t>
+            </a:r>
+            <a:r>
+              <a:rPr lang="en-US" altLang="zh-CN" sz="1600" dirty="0"/>
+              <a:t>C</a:t>
+            </a:r>
+            <a:r>
+              <a:rPr lang="zh-CN" altLang="en-US" sz="1600" dirty="0"/>
+              <a:t>模式</a:t>
             </a:r>
           </a:p>
         </p:txBody>
@@ -6960,6 +7107,516 @@
     <p:extLst>
       <p:ext uri="{BB962C8B-B14F-4D97-AF65-F5344CB8AC3E}">
         <p14:creationId xmlns:p14="http://schemas.microsoft.com/office/powerpoint/2010/main" val="927047029"/>
+      </p:ext>
+    </p:extLst>
+  </p:cSld>
+  <p:clrMapOvr>
+    <a:masterClrMapping/>
+  </p:clrMapOvr>
+</p:sld>
+</file>
+
+<file path=ppt/slides/slide3.xml><?xml version="1.0" encoding="utf-8"?>
+<p:sld xmlns:a="http://schemas.openxmlformats.org/drawingml/2006/main" xmlns:r="http://schemas.openxmlformats.org/officeDocument/2006/relationships" xmlns:p="http://schemas.openxmlformats.org/presentationml/2006/main">
+  <p:cSld>
+    <p:spTree>
+      <p:nvGrpSpPr>
+        <p:cNvPr id="1" name=""/>
+        <p:cNvGrpSpPr/>
+        <p:nvPr/>
+      </p:nvGrpSpPr>
+      <p:grpSpPr>
+        <a:xfrm>
+          <a:off x="0" y="0"/>
+          <a:ext cx="0" cy="0"/>
+          <a:chOff x="0" y="0"/>
+          <a:chExt cx="0" cy="0"/>
+        </a:xfrm>
+      </p:grpSpPr>
+      <p:sp>
+        <p:nvSpPr>
+          <p:cNvPr id="3" name="内容占位符 2">
+            <a:extLst>
+              <a:ext uri="{FF2B5EF4-FFF2-40B4-BE49-F238E27FC236}">
+                <a16:creationId xmlns:a16="http://schemas.microsoft.com/office/drawing/2014/main" id="{B0093A72-63AC-4D9F-A55D-9E87C803E1C1}"/>
+              </a:ext>
+            </a:extLst>
+          </p:cNvPr>
+          <p:cNvSpPr>
+            <a:spLocks noGrp="1"/>
+          </p:cNvSpPr>
+          <p:nvPr>
+            <p:ph idx="1"/>
+          </p:nvPr>
+        </p:nvSpPr>
+        <p:spPr/>
+        <p:txBody>
+          <a:bodyPr>
+            <a:normAutofit/>
+          </a:bodyPr>
+          <a:lstStyle/>
+          <a:p>
+            <a:pPr marL="400050" lvl="1" indent="0">
+              <a:buNone/>
+            </a:pPr>
+            <a:r>
+              <a:rPr lang="en-US" altLang="zh-CN" sz="1600" dirty="0"/>
+              <a:t>13.1.3 I/O</a:t>
+            </a:r>
+            <a:r>
+              <a:rPr lang="zh-CN" altLang="en-US" sz="1600" dirty="0"/>
+              <a:t>的级别</a:t>
+            </a:r>
+            <a:endParaRPr lang="en-US" altLang="zh-CN" sz="1600" dirty="0"/>
+          </a:p>
+          <a:p>
+            <a:pPr marL="400050" lvl="1" indent="0">
+              <a:buNone/>
+            </a:pPr>
+            <a:r>
+              <a:rPr lang="zh-CN" altLang="en-US" sz="1600" dirty="0"/>
+              <a:t>除了选择文件模式外，大多还可以选择</a:t>
+            </a:r>
+            <a:r>
+              <a:rPr lang="en-US" altLang="zh-CN" sz="1600" dirty="0"/>
+              <a:t>I/O</a:t>
+            </a:r>
+            <a:r>
+              <a:rPr lang="zh-CN" altLang="en-US" sz="1600" dirty="0"/>
+              <a:t>的两个级别（处理文件访问的两个级别）</a:t>
+            </a:r>
+            <a:endParaRPr lang="en-US" altLang="zh-CN" sz="1600" dirty="0"/>
+          </a:p>
+          <a:p>
+            <a:pPr marL="1085850" lvl="2" indent="-285750">
+              <a:buFont typeface="Wingdings" panose="05000000000000000000" pitchFamily="2" charset="2"/>
+              <a:buChar char="Ø"/>
+            </a:pPr>
+            <a:r>
+              <a:rPr lang="zh-CN" altLang="en-US" sz="1400" dirty="0"/>
+              <a:t>底层</a:t>
+            </a:r>
+            <a:r>
+              <a:rPr lang="en-US" altLang="zh-CN" sz="1400" dirty="0"/>
+              <a:t>I/O:</a:t>
+            </a:r>
+            <a:r>
+              <a:rPr lang="zh-CN" altLang="en-US" sz="1400" dirty="0"/>
+              <a:t>使用操作系统提供的基本</a:t>
+            </a:r>
+            <a:r>
+              <a:rPr lang="en-US" altLang="zh-CN" sz="1400" dirty="0"/>
+              <a:t>I/O</a:t>
+            </a:r>
+            <a:r>
+              <a:rPr lang="zh-CN" altLang="en-US" sz="1400" dirty="0"/>
+              <a:t>服务</a:t>
+            </a:r>
+            <a:endParaRPr lang="en-US" altLang="zh-CN" sz="1400" dirty="0"/>
+          </a:p>
+          <a:p>
+            <a:pPr marL="1085850" lvl="2" indent="-285750">
+              <a:buFont typeface="Wingdings" panose="05000000000000000000" pitchFamily="2" charset="2"/>
+              <a:buChar char="Ø"/>
+            </a:pPr>
+            <a:r>
+              <a:rPr lang="zh-CN" altLang="en-US" sz="1400" dirty="0"/>
+              <a:t>标准高级</a:t>
+            </a:r>
+            <a:r>
+              <a:rPr lang="en-US" altLang="zh-CN" sz="1400" dirty="0"/>
+              <a:t>I/O</a:t>
+            </a:r>
+            <a:r>
+              <a:rPr lang="zh-CN" altLang="en-US" sz="1400" dirty="0"/>
+              <a:t>：使用</a:t>
+            </a:r>
+            <a:r>
+              <a:rPr lang="en-US" altLang="zh-CN" sz="1400" dirty="0"/>
+              <a:t>C</a:t>
+            </a:r>
+            <a:r>
+              <a:rPr lang="zh-CN" altLang="en-US" sz="1400" dirty="0"/>
+              <a:t>库的标准包和</a:t>
+            </a:r>
+            <a:r>
+              <a:rPr lang="en-US" altLang="zh-CN" sz="1400" dirty="0" err="1"/>
+              <a:t>stdio.h</a:t>
+            </a:r>
+            <a:r>
+              <a:rPr lang="zh-CN" altLang="en-US" sz="1400" dirty="0"/>
+              <a:t>头文件定义</a:t>
+            </a:r>
+            <a:endParaRPr lang="en-US" altLang="zh-CN" sz="1400" dirty="0"/>
+          </a:p>
+          <a:p>
+            <a:pPr marL="1085850" lvl="2" indent="-285750">
+              <a:buFont typeface="Wingdings" panose="05000000000000000000" pitchFamily="2" charset="2"/>
+              <a:buChar char="Ø"/>
+            </a:pPr>
+            <a:r>
+              <a:rPr lang="zh-CN" altLang="en-US" sz="1400" dirty="0"/>
+              <a:t>因为无法保证所有操作系统都使用相同的底层</a:t>
+            </a:r>
+            <a:r>
+              <a:rPr lang="en-US" altLang="zh-CN" sz="1400" dirty="0"/>
+              <a:t>I/O</a:t>
+            </a:r>
+            <a:r>
+              <a:rPr lang="zh-CN" altLang="en-US" sz="1400" dirty="0"/>
+              <a:t>模型，所以</a:t>
+            </a:r>
+            <a:r>
+              <a:rPr lang="en-US" altLang="zh-CN" sz="1400" dirty="0"/>
+              <a:t>C</a:t>
+            </a:r>
+            <a:r>
+              <a:rPr lang="zh-CN" altLang="en-US" sz="1400" dirty="0"/>
+              <a:t>标准只支持标准 </a:t>
+            </a:r>
+            <a:r>
+              <a:rPr lang="en-US" altLang="zh-CN" sz="1400" dirty="0"/>
+              <a:t>I/O</a:t>
+            </a:r>
+            <a:r>
+              <a:rPr lang="zh-CN" altLang="en-US" sz="1400" dirty="0"/>
+              <a:t>包</a:t>
+            </a:r>
+            <a:endParaRPr lang="en-US" altLang="zh-CN" sz="1400" dirty="0"/>
+          </a:p>
+          <a:p>
+            <a:pPr marL="400050" lvl="1" indent="0">
+              <a:buNone/>
+            </a:pPr>
+            <a:r>
+              <a:rPr lang="en-US" altLang="zh-CN" sz="1600" dirty="0"/>
+              <a:t>13.1.4 </a:t>
+            </a:r>
+            <a:r>
+              <a:rPr lang="zh-CN" altLang="en-US" sz="1600" dirty="0"/>
+              <a:t>标准文件</a:t>
+            </a:r>
+            <a:endParaRPr lang="en-US" altLang="zh-CN" sz="1600" dirty="0"/>
+          </a:p>
+          <a:p>
+            <a:pPr marL="400050" lvl="1" indent="0">
+              <a:buNone/>
+            </a:pPr>
+            <a:r>
+              <a:rPr lang="en-US" altLang="zh-CN" sz="1600" dirty="0"/>
+              <a:t>C</a:t>
+            </a:r>
+            <a:r>
+              <a:rPr lang="zh-CN" altLang="en-US" sz="1600" dirty="0"/>
+              <a:t>程序会自动打开</a:t>
+            </a:r>
+            <a:r>
+              <a:rPr lang="en-US" altLang="zh-CN" sz="1600" dirty="0"/>
+              <a:t>3</a:t>
+            </a:r>
+            <a:r>
+              <a:rPr lang="zh-CN" altLang="en-US" sz="1600" dirty="0"/>
+              <a:t>个文件：标准输入、标准输出、标准错误输出</a:t>
+            </a:r>
+            <a:endParaRPr lang="en-US" altLang="zh-CN" sz="1600" dirty="0"/>
+          </a:p>
+          <a:p>
+            <a:pPr marL="1085850" lvl="2">
+              <a:buFont typeface="Wingdings" panose="05000000000000000000" pitchFamily="2" charset="2"/>
+              <a:buChar char="Ø"/>
+            </a:pPr>
+            <a:r>
+              <a:rPr lang="zh-CN" altLang="en-US" sz="1400" dirty="0"/>
+              <a:t>通常，标准输入是系统的普通输入设备，通常为键盘</a:t>
+            </a:r>
+            <a:endParaRPr lang="en-US" altLang="zh-CN" sz="1400" dirty="0"/>
+          </a:p>
+          <a:p>
+            <a:pPr marL="1085850" lvl="2">
+              <a:buFont typeface="Wingdings" panose="05000000000000000000" pitchFamily="2" charset="2"/>
+              <a:buChar char="Ø"/>
+            </a:pPr>
+            <a:r>
+              <a:rPr lang="zh-CN" altLang="en-US" sz="1400" dirty="0"/>
+              <a:t>标准输出和标准错误输出是系统的输出设备，通常为显示器</a:t>
+            </a:r>
+            <a:endParaRPr lang="en-US" altLang="zh-CN" sz="1400" dirty="0"/>
+          </a:p>
+          <a:p>
+            <a:pPr marL="1085850" lvl="2">
+              <a:buFont typeface="Wingdings" panose="05000000000000000000" pitchFamily="2" charset="2"/>
+              <a:buChar char="Ø"/>
+            </a:pPr>
+            <a:r>
+              <a:rPr lang="zh-CN" altLang="en-US" sz="1400" dirty="0"/>
+              <a:t>标准输入为程序提供输入，它是</a:t>
+            </a:r>
+            <a:r>
+              <a:rPr lang="en-US" altLang="zh-CN" sz="1400" dirty="0" err="1"/>
+              <a:t>getchar</a:t>
+            </a:r>
+            <a:r>
+              <a:rPr lang="en-US" altLang="zh-CN" sz="1400" dirty="0"/>
+              <a:t>()</a:t>
+            </a:r>
+            <a:r>
+              <a:rPr lang="zh-CN" altLang="en-US" sz="1400" dirty="0"/>
+              <a:t>和</a:t>
+            </a:r>
+            <a:r>
+              <a:rPr lang="en-US" altLang="zh-CN" sz="1400" dirty="0" err="1"/>
+              <a:t>scanf</a:t>
+            </a:r>
+            <a:r>
+              <a:rPr lang="en-US" altLang="zh-CN" sz="1400" dirty="0"/>
+              <a:t>()</a:t>
+            </a:r>
+            <a:r>
+              <a:rPr lang="zh-CN" altLang="en-US" sz="1400" dirty="0"/>
+              <a:t>使用的文件</a:t>
+            </a:r>
+            <a:endParaRPr lang="en-US" altLang="zh-CN" sz="1400" dirty="0"/>
+          </a:p>
+          <a:p>
+            <a:pPr marL="1085850" lvl="2">
+              <a:buFont typeface="Wingdings" panose="05000000000000000000" pitchFamily="2" charset="2"/>
+              <a:buChar char="Ø"/>
+            </a:pPr>
+            <a:r>
+              <a:rPr lang="zh-CN" altLang="en-US" sz="1400" dirty="0"/>
+              <a:t>同理，标准输出文件是</a:t>
+            </a:r>
+            <a:r>
+              <a:rPr lang="en-US" altLang="zh-CN" sz="1400" dirty="0" err="1"/>
+              <a:t>putchar</a:t>
+            </a:r>
+            <a:r>
+              <a:rPr lang="en-US" altLang="zh-CN" sz="1400" dirty="0"/>
+              <a:t>()</a:t>
+            </a:r>
+            <a:r>
+              <a:rPr lang="zh-CN" altLang="en-US" sz="1400" dirty="0"/>
+              <a:t>、</a:t>
+            </a:r>
+            <a:r>
+              <a:rPr lang="en-US" altLang="zh-CN" sz="1400" dirty="0"/>
+              <a:t>puts()</a:t>
+            </a:r>
+            <a:r>
+              <a:rPr lang="zh-CN" altLang="en-US" sz="1400" dirty="0"/>
+              <a:t>、</a:t>
+            </a:r>
+            <a:r>
+              <a:rPr lang="en-US" altLang="zh-CN" sz="1400" dirty="0" err="1"/>
+              <a:t>printf</a:t>
+            </a:r>
+            <a:r>
+              <a:rPr lang="en-US" altLang="zh-CN" sz="1400" dirty="0"/>
+              <a:t>()</a:t>
+            </a:r>
+            <a:r>
+              <a:rPr lang="zh-CN" altLang="en-US" sz="1400" dirty="0"/>
+              <a:t>使用的文件</a:t>
+            </a:r>
+            <a:endParaRPr lang="en-US" altLang="zh-CN" sz="1400" dirty="0"/>
+          </a:p>
+          <a:p>
+            <a:pPr marL="1085850" lvl="2">
+              <a:buFont typeface="Wingdings" panose="05000000000000000000" pitchFamily="2" charset="2"/>
+              <a:buChar char="Ø"/>
+            </a:pPr>
+            <a:r>
+              <a:rPr lang="zh-CN" altLang="en-US" sz="1400" dirty="0"/>
+              <a:t>重定向把其他文件视为标准输入标准输出，则需要打开编辑文件或读文件才能完成输入输出</a:t>
+            </a:r>
+            <a:endParaRPr lang="en-US" altLang="zh-CN" sz="1400" dirty="0"/>
+          </a:p>
+          <a:p>
+            <a:pPr marL="857250" lvl="2" indent="0">
+              <a:buNone/>
+            </a:pPr>
+            <a:endParaRPr lang="en-US" altLang="zh-CN" sz="1400" dirty="0"/>
+          </a:p>
+        </p:txBody>
+      </p:sp>
+    </p:spTree>
+    <p:extLst>
+      <p:ext uri="{BB962C8B-B14F-4D97-AF65-F5344CB8AC3E}">
+        <p14:creationId xmlns:p14="http://schemas.microsoft.com/office/powerpoint/2010/main" val="1797076851"/>
+      </p:ext>
+    </p:extLst>
+  </p:cSld>
+  <p:clrMapOvr>
+    <a:masterClrMapping/>
+  </p:clrMapOvr>
+</p:sld>
+</file>
+
+<file path=ppt/slides/slide4.xml><?xml version="1.0" encoding="utf-8"?>
+<p:sld xmlns:a="http://schemas.openxmlformats.org/drawingml/2006/main" xmlns:r="http://schemas.openxmlformats.org/officeDocument/2006/relationships" xmlns:p="http://schemas.openxmlformats.org/presentationml/2006/main">
+  <p:cSld>
+    <p:spTree>
+      <p:nvGrpSpPr>
+        <p:cNvPr id="1" name=""/>
+        <p:cNvGrpSpPr/>
+        <p:nvPr/>
+      </p:nvGrpSpPr>
+      <p:grpSpPr>
+        <a:xfrm>
+          <a:off x="0" y="0"/>
+          <a:ext cx="0" cy="0"/>
+          <a:chOff x="0" y="0"/>
+          <a:chExt cx="0" cy="0"/>
+        </a:xfrm>
+      </p:grpSpPr>
+      <p:sp>
+        <p:nvSpPr>
+          <p:cNvPr id="3" name="内容占位符 2">
+            <a:extLst>
+              <a:ext uri="{FF2B5EF4-FFF2-40B4-BE49-F238E27FC236}">
+                <a16:creationId xmlns:a16="http://schemas.microsoft.com/office/drawing/2014/main" id="{5211D033-1C63-4B5D-A4D0-3EA8BE0EDE5C}"/>
+              </a:ext>
+            </a:extLst>
+          </p:cNvPr>
+          <p:cNvSpPr>
+            <a:spLocks noGrp="1"/>
+          </p:cNvSpPr>
+          <p:nvPr>
+            <p:ph idx="1"/>
+          </p:nvPr>
+        </p:nvSpPr>
+        <p:spPr/>
+        <p:txBody>
+          <a:bodyPr>
+            <a:normAutofit/>
+          </a:bodyPr>
+          <a:lstStyle/>
+          <a:p>
+            <a:pPr marL="0" indent="0">
+              <a:buNone/>
+            </a:pPr>
+            <a:r>
+              <a:rPr lang="en-US" altLang="zh-CN" dirty="0"/>
+              <a:t>13.2 </a:t>
+            </a:r>
+            <a:r>
+              <a:rPr lang="zh-CN" altLang="en-US" dirty="0"/>
+              <a:t>标准</a:t>
+            </a:r>
+            <a:r>
+              <a:rPr lang="en-US" altLang="zh-CN" dirty="0"/>
+              <a:t>I/O</a:t>
+            </a:r>
+          </a:p>
+          <a:p>
+            <a:pPr marL="400050" lvl="1" indent="0">
+              <a:buNone/>
+            </a:pPr>
+            <a:r>
+              <a:rPr lang="zh-CN" altLang="en-US" sz="1600" dirty="0"/>
+              <a:t>标准</a:t>
+            </a:r>
+            <a:r>
+              <a:rPr lang="en-US" altLang="zh-CN" sz="1600" dirty="0"/>
+              <a:t>I/O</a:t>
+            </a:r>
+            <a:r>
+              <a:rPr lang="zh-CN" altLang="en-US" sz="1600" dirty="0"/>
+              <a:t>和底层</a:t>
+            </a:r>
+            <a:r>
+              <a:rPr lang="en-US" altLang="zh-CN" sz="1600" dirty="0"/>
+              <a:t>I/O</a:t>
+            </a:r>
+            <a:r>
+              <a:rPr lang="zh-CN" altLang="en-US" sz="1600" dirty="0"/>
+              <a:t>相比的好处</a:t>
+            </a:r>
+            <a:endParaRPr lang="en-US" altLang="zh-CN" sz="1600" dirty="0"/>
+          </a:p>
+          <a:p>
+            <a:pPr marL="1085850" lvl="2" indent="-285750">
+              <a:buFont typeface="Wingdings" panose="05000000000000000000" pitchFamily="2" charset="2"/>
+              <a:buChar char="Ø"/>
+            </a:pPr>
+            <a:r>
+              <a:rPr lang="zh-CN" altLang="en-US" sz="1400" dirty="0"/>
+              <a:t>可移植性</a:t>
+            </a:r>
+            <a:endParaRPr lang="en-US" altLang="zh-CN" sz="1400" dirty="0"/>
+          </a:p>
+          <a:p>
+            <a:pPr marL="1085850" lvl="2" indent="-285750">
+              <a:buFont typeface="Wingdings" panose="05000000000000000000" pitchFamily="2" charset="2"/>
+              <a:buChar char="Ø"/>
+            </a:pPr>
+            <a:r>
+              <a:rPr lang="zh-CN" altLang="en-US" sz="1400" dirty="0"/>
+              <a:t>标准</a:t>
+            </a:r>
+            <a:r>
+              <a:rPr lang="en-US" altLang="zh-CN" sz="1400" dirty="0"/>
+              <a:t>I/O</a:t>
+            </a:r>
+            <a:r>
+              <a:rPr lang="zh-CN" altLang="en-US" sz="1400" dirty="0"/>
+              <a:t>有许多专门的函数简化了处理不同</a:t>
+            </a:r>
+            <a:r>
+              <a:rPr lang="en-US" altLang="zh-CN" sz="1400" dirty="0"/>
+              <a:t>I/O</a:t>
+            </a:r>
+            <a:r>
+              <a:rPr lang="zh-CN" altLang="en-US" sz="1400" dirty="0"/>
+              <a:t>的问题</a:t>
+            </a:r>
+            <a:endParaRPr lang="en-US" altLang="zh-CN" sz="1400" dirty="0"/>
+          </a:p>
+          <a:p>
+            <a:pPr marL="1085850" lvl="2" indent="-285750">
+              <a:buFont typeface="Wingdings" panose="05000000000000000000" pitchFamily="2" charset="2"/>
+              <a:buChar char="Ø"/>
+            </a:pPr>
+            <a:r>
+              <a:rPr lang="zh-CN" altLang="en-US" sz="1400" dirty="0"/>
+              <a:t>输入和输出都是由缓冲的，标准</a:t>
+            </a:r>
+            <a:r>
+              <a:rPr lang="en-US" altLang="zh-CN" sz="1400" dirty="0"/>
+              <a:t>I/O</a:t>
+            </a:r>
+            <a:r>
+              <a:rPr lang="zh-CN" altLang="en-US" sz="1400" dirty="0"/>
+              <a:t>省去了自己实现复杂的过程</a:t>
+            </a:r>
+            <a:endParaRPr lang="en-US" altLang="zh-CN" sz="1400" dirty="0"/>
+          </a:p>
+          <a:p>
+            <a:pPr marL="400050" lvl="1" indent="0">
+              <a:buNone/>
+            </a:pPr>
+            <a:r>
+              <a:rPr lang="en-US" altLang="zh-CN" sz="1600" dirty="0"/>
+              <a:t>13.2.1 </a:t>
+            </a:r>
+            <a:r>
+              <a:rPr lang="zh-CN" altLang="en-US" sz="1600" dirty="0"/>
+              <a:t>检查命令行参数</a:t>
+            </a:r>
+            <a:endParaRPr lang="en-US" altLang="zh-CN" sz="1600" dirty="0"/>
+          </a:p>
+          <a:p>
+            <a:pPr marL="400050" lvl="1" indent="0">
+              <a:buNone/>
+            </a:pPr>
+            <a:endParaRPr lang="en-US" altLang="zh-CN" sz="1600"/>
+          </a:p>
+        </p:txBody>
+      </p:sp>
+    </p:spTree>
+    <p:extLst>
+      <p:ext uri="{BB962C8B-B14F-4D97-AF65-F5344CB8AC3E}">
+        <p14:creationId xmlns:p14="http://schemas.microsoft.com/office/powerpoint/2010/main" val="2621496219"/>
       </p:ext>
     </p:extLst>
   </p:cSld>

--- a/13 文件输入输出.pptx
+++ b/13 文件输入输出.pptx
@@ -5,13 +5,14 @@
     <p:sldMasterId id="2147483822" r:id="rId1"/>
   </p:sldMasterIdLst>
   <p:notesMasterIdLst>
-    <p:notesMasterId r:id="rId6"/>
+    <p:notesMasterId r:id="rId7"/>
   </p:notesMasterIdLst>
   <p:sldIdLst>
     <p:sldId id="256" r:id="rId2"/>
     <p:sldId id="257" r:id="rId3"/>
     <p:sldId id="258" r:id="rId4"/>
     <p:sldId id="259" r:id="rId5"/>
+    <p:sldId id="260" r:id="rId6"/>
   </p:sldIdLst>
   <p:sldSz cx="12192000" cy="6858000"/>
   <p:notesSz cx="6858000" cy="9144000"/>
@@ -203,7 +204,7 @@
           <a:p>
             <a:fld id="{3A561A38-70B3-452D-8FB4-19C5E06282F9}" type="datetimeFigureOut">
               <a:rPr lang="zh-CN" altLang="en-US" smtClean="0"/>
-              <a:t>2022/3/16</a:t>
+              <a:t>2022-3-18</a:t>
             </a:fld>
             <a:endParaRPr lang="zh-CN" altLang="en-US"/>
           </a:p>
@@ -589,7 +590,7 @@
           <a:p>
             <a:fld id="{219263D0-5F7A-4856-87AB-CBD44750035F}" type="datetimeFigureOut">
               <a:rPr lang="zh-CN" altLang="en-US" smtClean="0"/>
-              <a:t>2022/3/16</a:t>
+              <a:t>2022-3-18</a:t>
             </a:fld>
             <a:endParaRPr lang="zh-CN" altLang="en-US"/>
           </a:p>
@@ -864,7 +865,7 @@
           <a:p>
             <a:fld id="{219263D0-5F7A-4856-87AB-CBD44750035F}" type="datetimeFigureOut">
               <a:rPr lang="zh-CN" altLang="en-US" smtClean="0"/>
-              <a:t>2022/3/16</a:t>
+              <a:t>2022-3-18</a:t>
             </a:fld>
             <a:endParaRPr lang="zh-CN" altLang="en-US"/>
           </a:p>
@@ -1058,7 +1059,7 @@
           <a:p>
             <a:fld id="{219263D0-5F7A-4856-87AB-CBD44750035F}" type="datetimeFigureOut">
               <a:rPr lang="zh-CN" altLang="en-US" smtClean="0"/>
-              <a:t>2022/3/16</a:t>
+              <a:t>2022-3-18</a:t>
             </a:fld>
             <a:endParaRPr lang="zh-CN" altLang="en-US"/>
           </a:p>
@@ -1331,7 +1332,7 @@
           <a:p>
             <a:fld id="{219263D0-5F7A-4856-87AB-CBD44750035F}" type="datetimeFigureOut">
               <a:rPr lang="zh-CN" altLang="en-US" smtClean="0"/>
-              <a:t>2022/3/16</a:t>
+              <a:t>2022-3-18</a:t>
             </a:fld>
             <a:endParaRPr lang="zh-CN" altLang="en-US"/>
           </a:p>
@@ -1672,7 +1673,7 @@
           <a:p>
             <a:fld id="{219263D0-5F7A-4856-87AB-CBD44750035F}" type="datetimeFigureOut">
               <a:rPr lang="zh-CN" altLang="en-US" smtClean="0"/>
-              <a:t>2022/3/16</a:t>
+              <a:t>2022-3-18</a:t>
             </a:fld>
             <a:endParaRPr lang="zh-CN" altLang="en-US"/>
           </a:p>
@@ -2295,7 +2296,7 @@
           <a:p>
             <a:fld id="{219263D0-5F7A-4856-87AB-CBD44750035F}" type="datetimeFigureOut">
               <a:rPr lang="zh-CN" altLang="en-US" smtClean="0"/>
-              <a:t>2022/3/16</a:t>
+              <a:t>2022-3-18</a:t>
             </a:fld>
             <a:endParaRPr lang="zh-CN" altLang="en-US"/>
           </a:p>
@@ -3155,7 +3156,7 @@
           <a:p>
             <a:fld id="{219263D0-5F7A-4856-87AB-CBD44750035F}" type="datetimeFigureOut">
               <a:rPr lang="zh-CN" altLang="en-US" smtClean="0"/>
-              <a:t>2022/3/16</a:t>
+              <a:t>2022-3-18</a:t>
             </a:fld>
             <a:endParaRPr lang="zh-CN" altLang="en-US"/>
           </a:p>
@@ -3325,7 +3326,7 @@
           <a:p>
             <a:fld id="{219263D0-5F7A-4856-87AB-CBD44750035F}" type="datetimeFigureOut">
               <a:rPr lang="zh-CN" altLang="en-US" smtClean="0"/>
-              <a:t>2022/3/16</a:t>
+              <a:t>2022-3-18</a:t>
             </a:fld>
             <a:endParaRPr lang="zh-CN" altLang="en-US"/>
           </a:p>
@@ -3505,7 +3506,7 @@
           <a:p>
             <a:fld id="{219263D0-5F7A-4856-87AB-CBD44750035F}" type="datetimeFigureOut">
               <a:rPr lang="zh-CN" altLang="en-US" smtClean="0"/>
-              <a:t>2022/3/16</a:t>
+              <a:t>2022-3-18</a:t>
             </a:fld>
             <a:endParaRPr lang="zh-CN" altLang="en-US"/>
           </a:p>
@@ -3752,7 +3753,7 @@
           <a:p>
             <a:fld id="{219263D0-5F7A-4856-87AB-CBD44750035F}" type="datetimeFigureOut">
               <a:rPr lang="zh-CN" altLang="en-US" smtClean="0"/>
-              <a:t>2022/3/16</a:t>
+              <a:t>2022-3-18</a:t>
             </a:fld>
             <a:endParaRPr lang="zh-CN" altLang="en-US"/>
           </a:p>
@@ -3999,7 +4000,7 @@
           <a:p>
             <a:fld id="{219263D0-5F7A-4856-87AB-CBD44750035F}" type="datetimeFigureOut">
               <a:rPr lang="zh-CN" altLang="en-US" smtClean="0"/>
-              <a:t>2022/3/16</a:t>
+              <a:t>2022-3-18</a:t>
             </a:fld>
             <a:endParaRPr lang="zh-CN" altLang="en-US"/>
           </a:p>
@@ -4291,7 +4292,7 @@
           <a:p>
             <a:fld id="{219263D0-5F7A-4856-87AB-CBD44750035F}" type="datetimeFigureOut">
               <a:rPr lang="zh-CN" altLang="en-US" smtClean="0"/>
-              <a:t>2022/3/16</a:t>
+              <a:t>2022-3-18</a:t>
             </a:fld>
             <a:endParaRPr lang="zh-CN" altLang="en-US"/>
           </a:p>
@@ -4735,7 +4736,7 @@
           <a:p>
             <a:fld id="{219263D0-5F7A-4856-87AB-CBD44750035F}" type="datetimeFigureOut">
               <a:rPr lang="zh-CN" altLang="en-US" smtClean="0"/>
-              <a:t>2022/3/16</a:t>
+              <a:t>2022-3-18</a:t>
             </a:fld>
             <a:endParaRPr lang="zh-CN" altLang="en-US"/>
           </a:p>
@@ -4853,7 +4854,7 @@
           <a:p>
             <a:fld id="{219263D0-5F7A-4856-87AB-CBD44750035F}" type="datetimeFigureOut">
               <a:rPr lang="zh-CN" altLang="en-US" smtClean="0"/>
-              <a:t>2022/3/16</a:t>
+              <a:t>2022-3-18</a:t>
             </a:fld>
             <a:endParaRPr lang="zh-CN" altLang="en-US"/>
           </a:p>
@@ -4948,7 +4949,7 @@
           <a:p>
             <a:fld id="{219263D0-5F7A-4856-87AB-CBD44750035F}" type="datetimeFigureOut">
               <a:rPr lang="zh-CN" altLang="en-US" smtClean="0"/>
-              <a:t>2022/3/16</a:t>
+              <a:t>2022-3-18</a:t>
             </a:fld>
             <a:endParaRPr lang="zh-CN" altLang="en-US"/>
           </a:p>
@@ -5227,7 +5228,7 @@
           <a:p>
             <a:fld id="{219263D0-5F7A-4856-87AB-CBD44750035F}" type="datetimeFigureOut">
               <a:rPr lang="zh-CN" altLang="en-US" smtClean="0"/>
-              <a:t>2022/3/16</a:t>
+              <a:t>2022-3-18</a:t>
             </a:fld>
             <a:endParaRPr lang="zh-CN" altLang="en-US"/>
           </a:p>
@@ -5502,7 +5503,7 @@
           <a:p>
             <a:fld id="{219263D0-5F7A-4856-87AB-CBD44750035F}" type="datetimeFigureOut">
               <a:rPr lang="zh-CN" altLang="en-US" smtClean="0"/>
-              <a:t>2022/3/16</a:t>
+              <a:t>2022-3-18</a:t>
             </a:fld>
             <a:endParaRPr lang="zh-CN" altLang="en-US"/>
           </a:p>
@@ -5931,7 +5932,7 @@
           <a:p>
             <a:fld id="{219263D0-5F7A-4856-87AB-CBD44750035F}" type="datetimeFigureOut">
               <a:rPr lang="zh-CN" altLang="en-US" smtClean="0"/>
-              <a:t>2022/3/16</a:t>
+              <a:t>2022-3-18</a:t>
             </a:fld>
             <a:endParaRPr lang="zh-CN" altLang="en-US"/>
           </a:p>
@@ -7606,10 +7607,319 @@
             <a:endParaRPr lang="en-US" altLang="zh-CN" sz="1600" dirty="0"/>
           </a:p>
           <a:p>
+            <a:pPr marL="1085850" lvl="2">
+              <a:buFont typeface="Wingdings" panose="05000000000000000000" pitchFamily="2" charset="2"/>
+              <a:buChar char="Ø"/>
+            </a:pPr>
+            <a:r>
+              <a:rPr lang="zh-CN" altLang="en-US" sz="1400" dirty="0"/>
+              <a:t>如果程序中添加了</a:t>
+            </a:r>
+            <a:r>
+              <a:rPr lang="en-US" altLang="zh-CN" sz="1400" dirty="0" err="1"/>
+              <a:t>argc</a:t>
+            </a:r>
+            <a:r>
+              <a:rPr lang="en-US" altLang="zh-CN" sz="1400" dirty="0"/>
+              <a:t>,</a:t>
+            </a:r>
+            <a:r>
+              <a:rPr lang="zh-CN" altLang="en-US" sz="1400" dirty="0"/>
+              <a:t>和</a:t>
+            </a:r>
+            <a:r>
+              <a:rPr lang="en-US" altLang="zh-CN" sz="1400" dirty="0" err="1"/>
+              <a:t>argv</a:t>
+            </a:r>
+            <a:r>
+              <a:rPr lang="en-US" altLang="zh-CN" sz="1400" dirty="0"/>
+              <a:t>[],</a:t>
+            </a:r>
+            <a:r>
+              <a:rPr lang="zh-CN" altLang="en-US" sz="1400" dirty="0"/>
+              <a:t>可以通过</a:t>
+            </a:r>
+            <a:r>
+              <a:rPr lang="en-US" altLang="zh-CN" sz="1400" dirty="0" err="1"/>
+              <a:t>argc</a:t>
+            </a:r>
+            <a:r>
+              <a:rPr lang="zh-CN" altLang="en-US" sz="1400" dirty="0"/>
+              <a:t>获取命令行参数个数</a:t>
+            </a:r>
+            <a:r>
+              <a:rPr lang="en-US" altLang="zh-CN" sz="1400" dirty="0"/>
+              <a:t>,</a:t>
+            </a:r>
+            <a:r>
+              <a:rPr lang="en-US" altLang="zh-CN" sz="1400" dirty="0" err="1"/>
+              <a:t>argv</a:t>
+            </a:r>
+            <a:r>
+              <a:rPr lang="en-US" altLang="zh-CN" sz="1400" dirty="0"/>
+              <a:t>[]</a:t>
+            </a:r>
+            <a:r>
+              <a:rPr lang="zh-CN" altLang="en-US" sz="1400" dirty="0"/>
+              <a:t>获取参数</a:t>
+            </a:r>
+            <a:endParaRPr lang="en-US" altLang="zh-CN" sz="1400" dirty="0"/>
+          </a:p>
+          <a:p>
+            <a:pPr marL="1085850" lvl="2">
+              <a:buFont typeface="Wingdings" panose="05000000000000000000" pitchFamily="2" charset="2"/>
+              <a:buChar char="Ø"/>
+            </a:pPr>
+            <a:r>
+              <a:rPr lang="en-US" altLang="zh-CN" sz="1400" dirty="0" err="1"/>
+              <a:t>argv</a:t>
+            </a:r>
+            <a:r>
+              <a:rPr lang="en-US" altLang="zh-CN" sz="1400" dirty="0"/>
+              <a:t>[0]</a:t>
+            </a:r>
+            <a:r>
+              <a:rPr lang="zh-CN" altLang="en-US" sz="1400" dirty="0"/>
+              <a:t>一般是程序的名称</a:t>
+            </a:r>
+            <a:r>
+              <a:rPr lang="en-US" altLang="zh-CN" sz="1400" dirty="0"/>
+              <a:t>,</a:t>
+            </a:r>
+            <a:r>
+              <a:rPr lang="zh-CN" altLang="en-US" sz="1400" dirty="0"/>
+              <a:t>但是一些操作系统可能不识别</a:t>
+            </a:r>
+            <a:r>
+              <a:rPr lang="en-US" altLang="zh-CN" sz="1400" dirty="0" err="1"/>
+              <a:t>argv</a:t>
+            </a:r>
+            <a:r>
+              <a:rPr lang="en-US" altLang="zh-CN" sz="1400" dirty="0"/>
+              <a:t>[0]</a:t>
+            </a:r>
+          </a:p>
+          <a:p>
+            <a:pPr marL="1085850" lvl="2">
+              <a:buFont typeface="Wingdings" panose="05000000000000000000" pitchFamily="2" charset="2"/>
+              <a:buChar char="Ø"/>
+            </a:pPr>
+            <a:r>
+              <a:rPr lang="en-US" altLang="zh-CN" sz="1400" dirty="0"/>
+              <a:t>exit()</a:t>
+            </a:r>
+            <a:r>
+              <a:rPr lang="zh-CN" altLang="en-US" sz="1400" dirty="0"/>
+              <a:t>函数关闭所有打开的文件并结束程序</a:t>
+            </a:r>
+            <a:r>
+              <a:rPr lang="en-US" altLang="zh-CN" sz="1400" dirty="0"/>
+              <a:t>,exit()</a:t>
+            </a:r>
+            <a:r>
+              <a:rPr lang="zh-CN" altLang="en-US" sz="1400" dirty="0"/>
+              <a:t>的参数回返回给操作系统</a:t>
+            </a:r>
+            <a:r>
+              <a:rPr lang="en-US" altLang="zh-CN" sz="1400" dirty="0"/>
+              <a:t>,</a:t>
+            </a:r>
+            <a:r>
+              <a:rPr lang="zh-CN" altLang="en-US" sz="1400" dirty="0"/>
+              <a:t>一般正常结束返回</a:t>
+            </a:r>
+            <a:r>
+              <a:rPr lang="en-US" altLang="zh-CN" sz="1400" dirty="0"/>
+              <a:t>0,</a:t>
+            </a:r>
+            <a:r>
+              <a:rPr lang="zh-CN" altLang="en-US" sz="1400" dirty="0"/>
+              <a:t>不正常结束返回非</a:t>
+            </a:r>
+            <a:r>
+              <a:rPr lang="en-US" altLang="zh-CN" sz="1400" dirty="0"/>
+              <a:t>0;</a:t>
+            </a:r>
+          </a:p>
+          <a:p>
             <a:pPr marL="400050" lvl="1" indent="0">
               <a:buNone/>
             </a:pPr>
-            <a:endParaRPr lang="en-US" altLang="zh-CN" sz="1600"/>
+            <a:r>
+              <a:rPr lang="en-US" altLang="zh-CN" sz="1600" dirty="0"/>
+              <a:t>13.2.2 </a:t>
+            </a:r>
+            <a:r>
+              <a:rPr lang="en-US" altLang="zh-CN" sz="1600" dirty="0" err="1"/>
+              <a:t>fopen</a:t>
+            </a:r>
+            <a:r>
+              <a:rPr lang="en-US" altLang="zh-CN" sz="1600" dirty="0"/>
+              <a:t>(char *,char*)</a:t>
+            </a:r>
+          </a:p>
+          <a:p>
+            <a:pPr marL="1085850" lvl="2" indent="-285750">
+              <a:buFont typeface="Wingdings" panose="05000000000000000000" pitchFamily="2" charset="2"/>
+              <a:buChar char="Ø"/>
+            </a:pPr>
+            <a:r>
+              <a:rPr lang="zh-CN" altLang="en-US" sz="1400" dirty="0"/>
+              <a:t>包含两个参数</a:t>
+            </a:r>
+            <a:r>
+              <a:rPr lang="en-US" altLang="zh-CN" sz="1400" dirty="0"/>
+              <a:t>,</a:t>
+            </a:r>
+            <a:r>
+              <a:rPr lang="zh-CN" altLang="en-US" sz="1400" dirty="0"/>
+              <a:t>第一个参数是文件名的地址</a:t>
+            </a:r>
+            <a:r>
+              <a:rPr lang="en-US" altLang="zh-CN" sz="1400" dirty="0"/>
+              <a:t>,</a:t>
+            </a:r>
+            <a:r>
+              <a:rPr lang="zh-CN" altLang="en-US" sz="1400" dirty="0"/>
+              <a:t>第二个文件名是字符串常量</a:t>
+            </a:r>
+            <a:r>
+              <a:rPr lang="en-US" altLang="zh-CN" sz="1400" dirty="0"/>
+              <a:t>,</a:t>
+            </a:r>
+            <a:r>
+              <a:rPr lang="zh-CN" altLang="en-US" sz="1400" dirty="0"/>
+              <a:t>待打开文件的模式</a:t>
+            </a:r>
+            <a:endParaRPr lang="en-US" altLang="zh-CN" sz="1400" dirty="0"/>
+          </a:p>
+          <a:p>
+            <a:pPr marL="1085850" lvl="2" indent="-285750">
+              <a:buFont typeface="Wingdings" panose="05000000000000000000" pitchFamily="2" charset="2"/>
+              <a:buChar char="Ø"/>
+            </a:pPr>
+            <a:r>
+              <a:rPr lang="en-US" altLang="zh-CN" sz="1400" dirty="0" err="1"/>
+              <a:t>fopen</a:t>
+            </a:r>
+            <a:r>
+              <a:rPr lang="en-US" altLang="zh-CN" sz="1400" dirty="0"/>
+              <a:t>()</a:t>
+            </a:r>
+            <a:r>
+              <a:rPr lang="zh-CN" altLang="en-US" sz="1400" dirty="0"/>
+              <a:t>返回文件的指针</a:t>
+            </a:r>
+            <a:r>
+              <a:rPr lang="en-US" altLang="zh-CN" sz="1400" dirty="0"/>
+              <a:t>,</a:t>
+            </a:r>
+            <a:r>
+              <a:rPr lang="zh-CN" altLang="en-US" sz="1400" dirty="0"/>
+              <a:t>其他</a:t>
+            </a:r>
+            <a:r>
+              <a:rPr lang="en-US" altLang="zh-CN" sz="1400" dirty="0"/>
+              <a:t>I/O</a:t>
+            </a:r>
+            <a:r>
+              <a:rPr lang="zh-CN" altLang="en-US" sz="1400" dirty="0"/>
+              <a:t>函数可以使用这个指针指定该文件</a:t>
+            </a:r>
+            <a:r>
+              <a:rPr lang="en-US" altLang="zh-CN" sz="1400" dirty="0"/>
+              <a:t>,FILE</a:t>
+            </a:r>
+            <a:r>
+              <a:rPr lang="zh-CN" altLang="en-US" sz="1400" dirty="0"/>
+              <a:t>是定义在</a:t>
+            </a:r>
+            <a:r>
+              <a:rPr lang="en-US" altLang="zh-CN" sz="1400" dirty="0" err="1"/>
+              <a:t>stdio.h</a:t>
+            </a:r>
+            <a:r>
+              <a:rPr lang="zh-CN" altLang="en-US" sz="1400" dirty="0"/>
+              <a:t>中的派生类型</a:t>
+            </a:r>
+            <a:endParaRPr lang="en-US" altLang="zh-CN" sz="1400" dirty="0"/>
+          </a:p>
+          <a:p>
+            <a:pPr marL="1085850" lvl="2" indent="-285750">
+              <a:buFont typeface="Wingdings" panose="05000000000000000000" pitchFamily="2" charset="2"/>
+              <a:buChar char="Ø"/>
+            </a:pPr>
+            <a:r>
+              <a:rPr lang="zh-CN" altLang="en-US" sz="1400" dirty="0"/>
+              <a:t>第二个参数</a:t>
+            </a:r>
+            <a:r>
+              <a:rPr lang="en-US" altLang="zh-CN" sz="1400" dirty="0"/>
+              <a:t>”r”</a:t>
+            </a:r>
+            <a:r>
+              <a:rPr lang="zh-CN" altLang="en-US" sz="1400" dirty="0"/>
+              <a:t>读</a:t>
+            </a:r>
+            <a:r>
+              <a:rPr lang="en-US" altLang="zh-CN" sz="1400" dirty="0"/>
+              <a:t>”w”</a:t>
+            </a:r>
+            <a:r>
+              <a:rPr lang="zh-CN" altLang="en-US" sz="1400" dirty="0"/>
+              <a:t>从头写</a:t>
+            </a:r>
+            <a:r>
+              <a:rPr lang="en-US" altLang="zh-CN" sz="1400" dirty="0"/>
+              <a:t>”a”</a:t>
+            </a:r>
+            <a:r>
+              <a:rPr lang="zh-CN" altLang="en-US" sz="1400" dirty="0"/>
+              <a:t>续写，后面加上</a:t>
+            </a:r>
+            <a:r>
+              <a:rPr lang="en-US" altLang="zh-CN" sz="1400" dirty="0"/>
+              <a:t>+,</a:t>
+            </a:r>
+            <a:r>
+              <a:rPr lang="zh-CN" altLang="en-US" sz="1400" dirty="0"/>
+              <a:t>读写都可以，后面加上</a:t>
+            </a:r>
+            <a:r>
+              <a:rPr lang="en-US" altLang="zh-CN" sz="1400" dirty="0"/>
+              <a:t>b,</a:t>
+            </a:r>
+            <a:r>
+              <a:rPr lang="zh-CN" altLang="en-US" sz="1400" dirty="0"/>
+              <a:t>以二进制模式</a:t>
+            </a:r>
+            <a:endParaRPr lang="en-US" altLang="zh-CN" sz="1400" dirty="0"/>
+          </a:p>
+          <a:p>
+            <a:pPr marL="1085850" lvl="2" indent="-285750">
+              <a:buFont typeface="Wingdings" panose="05000000000000000000" pitchFamily="2" charset="2"/>
+              <a:buChar char="Ø"/>
+            </a:pPr>
+            <a:r>
+              <a:rPr lang="zh-CN" altLang="en-US" sz="1400" dirty="0"/>
+              <a:t>后面不加上</a:t>
+            </a:r>
+            <a:r>
+              <a:rPr lang="en-US" altLang="zh-CN" sz="1400" dirty="0"/>
+              <a:t>x,</a:t>
+            </a:r>
+            <a:r>
+              <a:rPr lang="zh-CN" altLang="en-US" sz="1400" dirty="0"/>
+              <a:t>文件被占用则打不开文件</a:t>
+            </a:r>
+            <a:endParaRPr lang="en-US" altLang="zh-CN" sz="1400" dirty="0"/>
+          </a:p>
+          <a:p>
+            <a:pPr marL="1085850" lvl="2" indent="-285750">
+              <a:buFont typeface="Wingdings" panose="05000000000000000000" pitchFamily="2" charset="2"/>
+              <a:buChar char="Ø"/>
+            </a:pPr>
+            <a:endParaRPr lang="en-US" altLang="zh-CN" sz="1400" dirty="0"/>
           </a:p>
         </p:txBody>
       </p:sp>
@@ -7617,6 +7927,426 @@
     <p:extLst>
       <p:ext uri="{BB962C8B-B14F-4D97-AF65-F5344CB8AC3E}">
         <p14:creationId xmlns:p14="http://schemas.microsoft.com/office/powerpoint/2010/main" val="2621496219"/>
+      </p:ext>
+    </p:extLst>
+  </p:cSld>
+  <p:clrMapOvr>
+    <a:masterClrMapping/>
+  </p:clrMapOvr>
+</p:sld>
+</file>
+
+<file path=ppt/slides/slide5.xml><?xml version="1.0" encoding="utf-8"?>
+<p:sld xmlns:a="http://schemas.openxmlformats.org/drawingml/2006/main" xmlns:r="http://schemas.openxmlformats.org/officeDocument/2006/relationships" xmlns:p="http://schemas.openxmlformats.org/presentationml/2006/main">
+  <p:cSld>
+    <p:spTree>
+      <p:nvGrpSpPr>
+        <p:cNvPr id="1" name=""/>
+        <p:cNvGrpSpPr/>
+        <p:nvPr/>
+      </p:nvGrpSpPr>
+      <p:grpSpPr>
+        <a:xfrm>
+          <a:off x="0" y="0"/>
+          <a:ext cx="0" cy="0"/>
+          <a:chOff x="0" y="0"/>
+          <a:chExt cx="0" cy="0"/>
+        </a:xfrm>
+      </p:grpSpPr>
+      <p:sp>
+        <p:nvSpPr>
+          <p:cNvPr id="3" name="内容占位符 2">
+            <a:extLst>
+              <a:ext uri="{FF2B5EF4-FFF2-40B4-BE49-F238E27FC236}">
+                <a16:creationId xmlns:a16="http://schemas.microsoft.com/office/drawing/2014/main" id="{146D4198-4AB0-4B23-A609-472C55B83AAA}"/>
+              </a:ext>
+            </a:extLst>
+          </p:cNvPr>
+          <p:cNvSpPr>
+            <a:spLocks noGrp="1"/>
+          </p:cNvSpPr>
+          <p:nvPr>
+            <p:ph idx="1"/>
+          </p:nvPr>
+        </p:nvSpPr>
+        <p:spPr/>
+        <p:txBody>
+          <a:bodyPr>
+            <a:normAutofit/>
+          </a:bodyPr>
+          <a:lstStyle/>
+          <a:p>
+            <a:pPr marL="400050" lvl="1" indent="0">
+              <a:buNone/>
+            </a:pPr>
+            <a:r>
+              <a:rPr lang="en-US" altLang="zh-CN" sz="1600" dirty="0"/>
+              <a:t>13.2.3 </a:t>
+            </a:r>
+            <a:r>
+              <a:rPr lang="en-US" altLang="zh-CN" sz="1600" dirty="0" err="1"/>
+              <a:t>getc</a:t>
+            </a:r>
+            <a:r>
+              <a:rPr lang="en-US" altLang="zh-CN" sz="1600" dirty="0"/>
+              <a:t>()</a:t>
+            </a:r>
+            <a:r>
+              <a:rPr lang="zh-CN" altLang="en-US" sz="1600" dirty="0"/>
+              <a:t>和</a:t>
+            </a:r>
+            <a:r>
+              <a:rPr lang="en-US" altLang="zh-CN" sz="1600" dirty="0" err="1"/>
+              <a:t>putc</a:t>
+            </a:r>
+            <a:r>
+              <a:rPr lang="en-US" altLang="zh-CN" sz="1600" dirty="0"/>
+              <a:t>()</a:t>
+            </a:r>
+            <a:r>
+              <a:rPr lang="zh-CN" altLang="en-US" sz="1600" dirty="0"/>
+              <a:t>函数</a:t>
+            </a:r>
+            <a:endParaRPr lang="en-US" altLang="zh-CN" sz="1600" dirty="0"/>
+          </a:p>
+          <a:p>
+            <a:pPr marL="1085850" lvl="2" indent="-285750">
+              <a:buFont typeface="Wingdings" panose="05000000000000000000" pitchFamily="2" charset="2"/>
+              <a:buChar char="Ø"/>
+            </a:pPr>
+            <a:r>
+              <a:rPr lang="en-US" altLang="zh-CN" sz="1400" dirty="0" err="1"/>
+              <a:t>getc</a:t>
+            </a:r>
+            <a:r>
+              <a:rPr lang="en-US" altLang="zh-CN" sz="1400" dirty="0"/>
+              <a:t>()</a:t>
+            </a:r>
+            <a:r>
+              <a:rPr lang="zh-CN" altLang="en-US" sz="1400" dirty="0"/>
+              <a:t>、</a:t>
+            </a:r>
+            <a:r>
+              <a:rPr lang="en-US" altLang="zh-CN" sz="1400" dirty="0" err="1"/>
+              <a:t>putc</a:t>
+            </a:r>
+            <a:r>
+              <a:rPr lang="en-US" altLang="zh-CN" sz="1400" dirty="0"/>
+              <a:t>()</a:t>
+            </a:r>
+            <a:r>
+              <a:rPr lang="zh-CN" altLang="en-US" sz="1400" dirty="0"/>
+              <a:t>和</a:t>
+            </a:r>
+            <a:r>
+              <a:rPr lang="en-US" altLang="zh-CN" sz="1400" dirty="0" err="1"/>
+              <a:t>getchar</a:t>
+            </a:r>
+            <a:r>
+              <a:rPr lang="en-US" altLang="zh-CN" sz="1400" dirty="0"/>
+              <a:t>()</a:t>
+            </a:r>
+            <a:r>
+              <a:rPr lang="zh-CN" altLang="en-US" sz="1400" dirty="0"/>
+              <a:t>、</a:t>
+            </a:r>
+            <a:r>
+              <a:rPr lang="en-US" altLang="zh-CN" sz="1400" dirty="0" err="1"/>
+              <a:t>putchar</a:t>
+            </a:r>
+            <a:r>
+              <a:rPr lang="en-US" altLang="zh-CN" sz="1400" dirty="0"/>
+              <a:t>()</a:t>
+            </a:r>
+            <a:r>
+              <a:rPr lang="zh-CN" altLang="en-US" sz="1400" dirty="0"/>
+              <a:t>类似</a:t>
+            </a:r>
+            <a:endParaRPr lang="en-US" altLang="zh-CN" sz="1400" dirty="0"/>
+          </a:p>
+          <a:p>
+            <a:pPr marL="1085850" lvl="2" indent="-285750">
+              <a:buFont typeface="Wingdings" panose="05000000000000000000" pitchFamily="2" charset="2"/>
+              <a:buChar char="Ø"/>
+            </a:pPr>
+            <a:r>
+              <a:rPr lang="en-US" altLang="zh-CN" sz="1400" dirty="0" err="1"/>
+              <a:t>getc</a:t>
+            </a:r>
+            <a:r>
+              <a:rPr lang="en-US" altLang="zh-CN" sz="1400" dirty="0"/>
+              <a:t>()/</a:t>
+            </a:r>
+            <a:r>
+              <a:rPr lang="en-US" altLang="zh-CN" sz="1400" dirty="0" err="1"/>
+              <a:t>putc</a:t>
+            </a:r>
+            <a:r>
+              <a:rPr lang="en-US" altLang="zh-CN" sz="1400" dirty="0"/>
+              <a:t>()</a:t>
+            </a:r>
+            <a:r>
+              <a:rPr lang="zh-CN" altLang="en-US" sz="1400" dirty="0"/>
+              <a:t>要使用文件，</a:t>
+            </a:r>
+            <a:r>
+              <a:rPr lang="en-US" altLang="zh-CN" sz="1400" dirty="0" err="1"/>
+              <a:t>getchar</a:t>
+            </a:r>
+            <a:r>
+              <a:rPr lang="en-US" altLang="zh-CN" sz="1400" dirty="0"/>
+              <a:t>/</a:t>
+            </a:r>
+            <a:r>
+              <a:rPr lang="en-US" altLang="zh-CN" sz="1400" dirty="0" err="1"/>
+              <a:t>putchar</a:t>
+            </a:r>
+            <a:r>
+              <a:rPr lang="en-US" altLang="zh-CN" sz="1400" dirty="0"/>
+              <a:t>()</a:t>
+            </a:r>
+            <a:r>
+              <a:rPr lang="zh-CN" altLang="en-US" sz="1400" dirty="0"/>
+              <a:t>使用的是标准输入输出</a:t>
+            </a:r>
+            <a:endParaRPr lang="en-US" altLang="zh-CN" sz="1400" dirty="0"/>
+          </a:p>
+          <a:p>
+            <a:pPr marL="1085850" lvl="2" indent="-285750">
+              <a:buFont typeface="Wingdings" panose="05000000000000000000" pitchFamily="2" charset="2"/>
+              <a:buChar char="Ø"/>
+            </a:pPr>
+            <a:r>
+              <a:rPr lang="en-US" altLang="zh-CN" sz="1400" dirty="0" err="1"/>
+              <a:t>ch</a:t>
+            </a:r>
+            <a:r>
+              <a:rPr lang="en-US" altLang="zh-CN" sz="1400" dirty="0"/>
+              <a:t> = </a:t>
+            </a:r>
+            <a:r>
+              <a:rPr lang="en-US" altLang="zh-CN" sz="1400" dirty="0" err="1"/>
+              <a:t>getc</a:t>
+            </a:r>
+            <a:r>
+              <a:rPr lang="en-US" altLang="zh-CN" sz="1400" dirty="0"/>
+              <a:t>();	</a:t>
+            </a:r>
+            <a:r>
+              <a:rPr lang="en-US" altLang="zh-CN" sz="1400" dirty="0" err="1"/>
+              <a:t>putc</a:t>
+            </a:r>
+            <a:r>
+              <a:rPr lang="en-US" altLang="zh-CN" sz="1400" dirty="0"/>
+              <a:t>(</a:t>
+            </a:r>
+            <a:r>
+              <a:rPr lang="en-US" altLang="zh-CN" sz="1400" dirty="0" err="1"/>
+              <a:t>ch,fpout</a:t>
+            </a:r>
+            <a:r>
+              <a:rPr lang="en-US" altLang="zh-CN" sz="1400" dirty="0"/>
+              <a:t>);</a:t>
+            </a:r>
+          </a:p>
+          <a:p>
+            <a:pPr marL="1085850" lvl="2" indent="-285750">
+              <a:buFont typeface="Wingdings" panose="05000000000000000000" pitchFamily="2" charset="2"/>
+              <a:buChar char="Ø"/>
+            </a:pPr>
+            <a:r>
+              <a:rPr lang="en-US" altLang="zh-CN" sz="1400" dirty="0"/>
+              <a:t>stdin/</a:t>
+            </a:r>
+            <a:r>
+              <a:rPr lang="en-US" altLang="zh-CN" sz="1400" dirty="0" err="1"/>
+              <a:t>stdout</a:t>
+            </a:r>
+            <a:r>
+              <a:rPr lang="zh-CN" altLang="en-US" sz="1400" dirty="0"/>
+              <a:t> ：标准输入输出相关联的文件指针</a:t>
+            </a:r>
+            <a:endParaRPr lang="en-US" altLang="zh-CN" sz="1400" dirty="0"/>
+          </a:p>
+          <a:p>
+            <a:pPr marL="400050" lvl="1" indent="0">
+              <a:buNone/>
+            </a:pPr>
+            <a:r>
+              <a:rPr lang="en-US" altLang="zh-CN" sz="1600" dirty="0"/>
+              <a:t>13.2.4 </a:t>
+            </a:r>
+            <a:r>
+              <a:rPr lang="zh-CN" altLang="en-US" sz="1600" dirty="0"/>
+              <a:t>文件结尾</a:t>
+            </a:r>
+            <a:endParaRPr lang="en-US" altLang="zh-CN" sz="1600" dirty="0"/>
+          </a:p>
+          <a:p>
+            <a:pPr marL="1085850" lvl="2" indent="-285750">
+              <a:buFont typeface="Wingdings" panose="05000000000000000000" pitchFamily="2" charset="2"/>
+              <a:buChar char="Ø"/>
+            </a:pPr>
+            <a:r>
+              <a:rPr lang="zh-CN" altLang="en-US" sz="1400" dirty="0"/>
+              <a:t>从文件中读取数据的程序在读到文件结尾时要停止</a:t>
+            </a:r>
+            <a:endParaRPr lang="en-US" altLang="zh-CN" sz="1400" dirty="0"/>
+          </a:p>
+          <a:p>
+            <a:pPr marL="1085850" lvl="2" indent="-285750">
+              <a:buFont typeface="Wingdings" panose="05000000000000000000" pitchFamily="2" charset="2"/>
+              <a:buChar char="Ø"/>
+            </a:pPr>
+            <a:r>
+              <a:rPr lang="zh-CN" altLang="en-US" sz="1400" dirty="0"/>
+              <a:t>如果</a:t>
+            </a:r>
+            <a:r>
+              <a:rPr lang="en-US" altLang="zh-CN" sz="1400" dirty="0" err="1"/>
+              <a:t>getc</a:t>
+            </a:r>
+            <a:r>
+              <a:rPr lang="en-US" altLang="zh-CN" sz="1400" dirty="0"/>
+              <a:t>()</a:t>
+            </a:r>
+            <a:r>
+              <a:rPr lang="zh-CN" altLang="en-US" sz="1400" dirty="0"/>
+              <a:t>函数在读取到一个字符时发现是文件结尾，返回特殊值</a:t>
+            </a:r>
+            <a:r>
+              <a:rPr lang="en-US" altLang="zh-CN" sz="1400" dirty="0"/>
+              <a:t>EOF</a:t>
+            </a:r>
+          </a:p>
+          <a:p>
+            <a:pPr marL="400050" lvl="1" indent="0">
+              <a:buNone/>
+            </a:pPr>
+            <a:r>
+              <a:rPr lang="en-US" altLang="zh-CN" sz="1600" dirty="0"/>
+              <a:t>13.2.5 </a:t>
+            </a:r>
+            <a:r>
+              <a:rPr lang="en-US" altLang="zh-CN" sz="1600" dirty="0" err="1"/>
+              <a:t>fclose</a:t>
+            </a:r>
+            <a:r>
+              <a:rPr lang="en-US" altLang="zh-CN" sz="1600" dirty="0"/>
+              <a:t>()</a:t>
+            </a:r>
+            <a:r>
+              <a:rPr lang="zh-CN" altLang="en-US" sz="1600" dirty="0"/>
+              <a:t>函数</a:t>
+            </a:r>
+            <a:endParaRPr lang="en-US" altLang="zh-CN" sz="1600" dirty="0"/>
+          </a:p>
+          <a:p>
+            <a:pPr marL="800100" lvl="2" indent="0">
+              <a:buNone/>
+            </a:pPr>
+            <a:r>
+              <a:rPr lang="zh-CN" altLang="en-US" sz="1400" dirty="0"/>
+              <a:t>打开文件后要记得关闭文件，避免别的程序访问文件时因一直被占用出错</a:t>
+            </a:r>
+            <a:endParaRPr lang="en-US" altLang="zh-CN" sz="1400" dirty="0"/>
+          </a:p>
+          <a:p>
+            <a:pPr marL="400050" lvl="1" indent="0">
+              <a:buNone/>
+            </a:pPr>
+            <a:r>
+              <a:rPr lang="en-US" altLang="zh-CN" sz="1600" dirty="0"/>
+              <a:t>13.2.6 </a:t>
+            </a:r>
+            <a:r>
+              <a:rPr lang="zh-CN" altLang="en-US" sz="1600" dirty="0"/>
+              <a:t>指向标准文件的指针</a:t>
+            </a:r>
+            <a:endParaRPr lang="en-US" altLang="zh-CN" sz="1600" dirty="0"/>
+          </a:p>
+          <a:p>
+            <a:pPr marL="800100" lvl="2" indent="0">
+              <a:buNone/>
+            </a:pPr>
+            <a:r>
+              <a:rPr lang="en-US" altLang="zh-CN" sz="1400" dirty="0" err="1"/>
+              <a:t>Stdio.h</a:t>
+            </a:r>
+            <a:r>
+              <a:rPr lang="zh-CN" altLang="en-US" sz="1400" dirty="0"/>
+              <a:t>头文件中把</a:t>
+            </a:r>
+            <a:r>
+              <a:rPr lang="en-US" altLang="zh-CN" sz="1400" dirty="0"/>
+              <a:t>3</a:t>
+            </a:r>
+            <a:r>
+              <a:rPr lang="zh-CN" altLang="en-US" sz="1400" dirty="0"/>
+              <a:t>个文件指针与</a:t>
+            </a:r>
+            <a:r>
+              <a:rPr lang="en-US" altLang="zh-CN" sz="1400" dirty="0"/>
+              <a:t>3</a:t>
+            </a:r>
+            <a:r>
+              <a:rPr lang="zh-CN" altLang="en-US" sz="1400" dirty="0"/>
+              <a:t>个标准文件相关联，</a:t>
+            </a:r>
+            <a:r>
+              <a:rPr lang="en-US" altLang="zh-CN" sz="1400" dirty="0"/>
+              <a:t>C</a:t>
+            </a:r>
+            <a:r>
+              <a:rPr lang="zh-CN" altLang="en-US" sz="1400" dirty="0"/>
+              <a:t>语言会自动打开这</a:t>
+            </a:r>
+            <a:r>
+              <a:rPr lang="en-US" altLang="zh-CN" sz="1400" dirty="0"/>
+              <a:t>3</a:t>
+            </a:r>
+            <a:r>
+              <a:rPr lang="zh-CN" altLang="en-US" sz="1400" dirty="0"/>
+              <a:t>个标准文件</a:t>
+            </a:r>
+            <a:endParaRPr lang="en-US" altLang="zh-CN" sz="1400" dirty="0"/>
+          </a:p>
+          <a:p>
+            <a:pPr marL="800100" lvl="2" indent="0">
+              <a:buNone/>
+            </a:pPr>
+            <a:r>
+              <a:rPr lang="en-US" altLang="zh-CN" sz="1400" dirty="0"/>
+              <a:t>Stdin  </a:t>
+            </a:r>
+            <a:r>
+              <a:rPr lang="en-US" altLang="zh-CN" sz="1400" dirty="0" err="1"/>
+              <a:t>stdout</a:t>
+            </a:r>
+            <a:r>
+              <a:rPr lang="en-US" altLang="zh-CN" sz="1400" dirty="0"/>
+              <a:t>  stderr,</a:t>
+            </a:r>
+            <a:r>
+              <a:rPr lang="zh-CN" altLang="en-US" sz="1400" dirty="0"/>
+              <a:t>这些都是指向</a:t>
+            </a:r>
+            <a:r>
+              <a:rPr lang="en-US" altLang="zh-CN" sz="1400" dirty="0"/>
+              <a:t>FILE</a:t>
+            </a:r>
+            <a:r>
+              <a:rPr lang="zh-CN" altLang="en-US" sz="1400"/>
+              <a:t>的指针</a:t>
+            </a:r>
+            <a:endParaRPr lang="en-US" altLang="zh-CN" sz="1400"/>
+          </a:p>
+        </p:txBody>
+      </p:sp>
+    </p:spTree>
+    <p:extLst>
+      <p:ext uri="{BB962C8B-B14F-4D97-AF65-F5344CB8AC3E}">
+        <p14:creationId xmlns:p14="http://schemas.microsoft.com/office/powerpoint/2010/main" val="668901629"/>
       </p:ext>
     </p:extLst>
   </p:cSld>

--- a/13 文件输入输出.pptx
+++ b/13 文件输入输出.pptx
@@ -5,7 +5,7 @@
     <p:sldMasterId id="2147483822" r:id="rId1"/>
   </p:sldMasterIdLst>
   <p:notesMasterIdLst>
-    <p:notesMasterId r:id="rId7"/>
+    <p:notesMasterId r:id="rId8"/>
   </p:notesMasterIdLst>
   <p:sldIdLst>
     <p:sldId id="256" r:id="rId2"/>
@@ -13,6 +13,7 @@
     <p:sldId id="258" r:id="rId4"/>
     <p:sldId id="259" r:id="rId5"/>
     <p:sldId id="260" r:id="rId6"/>
+    <p:sldId id="261" r:id="rId7"/>
   </p:sldIdLst>
   <p:sldSz cx="12192000" cy="6858000"/>
   <p:notesSz cx="6858000" cy="9144000"/>
@@ -204,7 +205,7 @@
           <a:p>
             <a:fld id="{3A561A38-70B3-452D-8FB4-19C5E06282F9}" type="datetimeFigureOut">
               <a:rPr lang="zh-CN" altLang="en-US" smtClean="0"/>
-              <a:t>2022-3-18</a:t>
+              <a:t>2022/3/18</a:t>
             </a:fld>
             <a:endParaRPr lang="zh-CN" altLang="en-US"/>
           </a:p>
@@ -590,7 +591,7 @@
           <a:p>
             <a:fld id="{219263D0-5F7A-4856-87AB-CBD44750035F}" type="datetimeFigureOut">
               <a:rPr lang="zh-CN" altLang="en-US" smtClean="0"/>
-              <a:t>2022-3-18</a:t>
+              <a:t>2022/3/18</a:t>
             </a:fld>
             <a:endParaRPr lang="zh-CN" altLang="en-US"/>
           </a:p>
@@ -865,7 +866,7 @@
           <a:p>
             <a:fld id="{219263D0-5F7A-4856-87AB-CBD44750035F}" type="datetimeFigureOut">
               <a:rPr lang="zh-CN" altLang="en-US" smtClean="0"/>
-              <a:t>2022-3-18</a:t>
+              <a:t>2022/3/18</a:t>
             </a:fld>
             <a:endParaRPr lang="zh-CN" altLang="en-US"/>
           </a:p>
@@ -1059,7 +1060,7 @@
           <a:p>
             <a:fld id="{219263D0-5F7A-4856-87AB-CBD44750035F}" type="datetimeFigureOut">
               <a:rPr lang="zh-CN" altLang="en-US" smtClean="0"/>
-              <a:t>2022-3-18</a:t>
+              <a:t>2022/3/18</a:t>
             </a:fld>
             <a:endParaRPr lang="zh-CN" altLang="en-US"/>
           </a:p>
@@ -1332,7 +1333,7 @@
           <a:p>
             <a:fld id="{219263D0-5F7A-4856-87AB-CBD44750035F}" type="datetimeFigureOut">
               <a:rPr lang="zh-CN" altLang="en-US" smtClean="0"/>
-              <a:t>2022-3-18</a:t>
+              <a:t>2022/3/18</a:t>
             </a:fld>
             <a:endParaRPr lang="zh-CN" altLang="en-US"/>
           </a:p>
@@ -1673,7 +1674,7 @@
           <a:p>
             <a:fld id="{219263D0-5F7A-4856-87AB-CBD44750035F}" type="datetimeFigureOut">
               <a:rPr lang="zh-CN" altLang="en-US" smtClean="0"/>
-              <a:t>2022-3-18</a:t>
+              <a:t>2022/3/18</a:t>
             </a:fld>
             <a:endParaRPr lang="zh-CN" altLang="en-US"/>
           </a:p>
@@ -2296,7 +2297,7 @@
           <a:p>
             <a:fld id="{219263D0-5F7A-4856-87AB-CBD44750035F}" type="datetimeFigureOut">
               <a:rPr lang="zh-CN" altLang="en-US" smtClean="0"/>
-              <a:t>2022-3-18</a:t>
+              <a:t>2022/3/18</a:t>
             </a:fld>
             <a:endParaRPr lang="zh-CN" altLang="en-US"/>
           </a:p>
@@ -3156,7 +3157,7 @@
           <a:p>
             <a:fld id="{219263D0-5F7A-4856-87AB-CBD44750035F}" type="datetimeFigureOut">
               <a:rPr lang="zh-CN" altLang="en-US" smtClean="0"/>
-              <a:t>2022-3-18</a:t>
+              <a:t>2022/3/18</a:t>
             </a:fld>
             <a:endParaRPr lang="zh-CN" altLang="en-US"/>
           </a:p>
@@ -3326,7 +3327,7 @@
           <a:p>
             <a:fld id="{219263D0-5F7A-4856-87AB-CBD44750035F}" type="datetimeFigureOut">
               <a:rPr lang="zh-CN" altLang="en-US" smtClean="0"/>
-              <a:t>2022-3-18</a:t>
+              <a:t>2022/3/18</a:t>
             </a:fld>
             <a:endParaRPr lang="zh-CN" altLang="en-US"/>
           </a:p>
@@ -3506,7 +3507,7 @@
           <a:p>
             <a:fld id="{219263D0-5F7A-4856-87AB-CBD44750035F}" type="datetimeFigureOut">
               <a:rPr lang="zh-CN" altLang="en-US" smtClean="0"/>
-              <a:t>2022-3-18</a:t>
+              <a:t>2022/3/18</a:t>
             </a:fld>
             <a:endParaRPr lang="zh-CN" altLang="en-US"/>
           </a:p>
@@ -3753,7 +3754,7 @@
           <a:p>
             <a:fld id="{219263D0-5F7A-4856-87AB-CBD44750035F}" type="datetimeFigureOut">
               <a:rPr lang="zh-CN" altLang="en-US" smtClean="0"/>
-              <a:t>2022-3-18</a:t>
+              <a:t>2022/3/18</a:t>
             </a:fld>
             <a:endParaRPr lang="zh-CN" altLang="en-US"/>
           </a:p>
@@ -4000,7 +4001,7 @@
           <a:p>
             <a:fld id="{219263D0-5F7A-4856-87AB-CBD44750035F}" type="datetimeFigureOut">
               <a:rPr lang="zh-CN" altLang="en-US" smtClean="0"/>
-              <a:t>2022-3-18</a:t>
+              <a:t>2022/3/18</a:t>
             </a:fld>
             <a:endParaRPr lang="zh-CN" altLang="en-US"/>
           </a:p>
@@ -4292,7 +4293,7 @@
           <a:p>
             <a:fld id="{219263D0-5F7A-4856-87AB-CBD44750035F}" type="datetimeFigureOut">
               <a:rPr lang="zh-CN" altLang="en-US" smtClean="0"/>
-              <a:t>2022-3-18</a:t>
+              <a:t>2022/3/18</a:t>
             </a:fld>
             <a:endParaRPr lang="zh-CN" altLang="en-US"/>
           </a:p>
@@ -4736,7 +4737,7 @@
           <a:p>
             <a:fld id="{219263D0-5F7A-4856-87AB-CBD44750035F}" type="datetimeFigureOut">
               <a:rPr lang="zh-CN" altLang="en-US" smtClean="0"/>
-              <a:t>2022-3-18</a:t>
+              <a:t>2022/3/18</a:t>
             </a:fld>
             <a:endParaRPr lang="zh-CN" altLang="en-US"/>
           </a:p>
@@ -4854,7 +4855,7 @@
           <a:p>
             <a:fld id="{219263D0-5F7A-4856-87AB-CBD44750035F}" type="datetimeFigureOut">
               <a:rPr lang="zh-CN" altLang="en-US" smtClean="0"/>
-              <a:t>2022-3-18</a:t>
+              <a:t>2022/3/18</a:t>
             </a:fld>
             <a:endParaRPr lang="zh-CN" altLang="en-US"/>
           </a:p>
@@ -4949,7 +4950,7 @@
           <a:p>
             <a:fld id="{219263D0-5F7A-4856-87AB-CBD44750035F}" type="datetimeFigureOut">
               <a:rPr lang="zh-CN" altLang="en-US" smtClean="0"/>
-              <a:t>2022-3-18</a:t>
+              <a:t>2022/3/18</a:t>
             </a:fld>
             <a:endParaRPr lang="zh-CN" altLang="en-US"/>
           </a:p>
@@ -5228,7 +5229,7 @@
           <a:p>
             <a:fld id="{219263D0-5F7A-4856-87AB-CBD44750035F}" type="datetimeFigureOut">
               <a:rPr lang="zh-CN" altLang="en-US" smtClean="0"/>
-              <a:t>2022-3-18</a:t>
+              <a:t>2022/3/18</a:t>
             </a:fld>
             <a:endParaRPr lang="zh-CN" altLang="en-US"/>
           </a:p>
@@ -5503,7 +5504,7 @@
           <a:p>
             <a:fld id="{219263D0-5F7A-4856-87AB-CBD44750035F}" type="datetimeFigureOut">
               <a:rPr lang="zh-CN" altLang="en-US" smtClean="0"/>
-              <a:t>2022-3-18</a:t>
+              <a:t>2022/3/18</a:t>
             </a:fld>
             <a:endParaRPr lang="zh-CN" altLang="en-US"/>
           </a:p>
@@ -5932,7 +5933,7 @@
           <a:p>
             <a:fld id="{219263D0-5F7A-4856-87AB-CBD44750035F}" type="datetimeFigureOut">
               <a:rPr lang="zh-CN" altLang="en-US" smtClean="0"/>
-              <a:t>2022-3-18</a:t>
+              <a:t>2022/3/18</a:t>
             </a:fld>
             <a:endParaRPr lang="zh-CN" altLang="en-US"/>
           </a:p>
@@ -8271,7 +8272,7 @@
             </a:pPr>
             <a:r>
               <a:rPr lang="en-US" altLang="zh-CN" sz="1400" dirty="0" err="1"/>
-              <a:t>Stdio.h</a:t>
+              <a:t>stdio.h</a:t>
             </a:r>
             <a:r>
               <a:rPr lang="zh-CN" altLang="en-US" sz="1400" dirty="0"/>
@@ -8317,7 +8318,7 @@
             </a:pPr>
             <a:r>
               <a:rPr lang="en-US" altLang="zh-CN" sz="1400" dirty="0"/>
-              <a:t>Stdin  </a:t>
+              <a:t>stdin  </a:t>
             </a:r>
             <a:r>
               <a:rPr lang="en-US" altLang="zh-CN" sz="1400" dirty="0" err="1"/>
@@ -8336,10 +8337,10 @@
               <a:t>FILE</a:t>
             </a:r>
             <a:r>
-              <a:rPr lang="zh-CN" altLang="en-US" sz="1400"/>
+              <a:rPr lang="zh-CN" altLang="en-US" sz="1400" dirty="0"/>
               <a:t>的指针</a:t>
             </a:r>
-            <a:endParaRPr lang="en-US" altLang="zh-CN" sz="1400"/>
+            <a:endParaRPr lang="en-US" altLang="zh-CN" sz="1400" dirty="0"/>
           </a:p>
         </p:txBody>
       </p:sp>
@@ -8347,6 +8348,78 @@
     <p:extLst>
       <p:ext uri="{BB962C8B-B14F-4D97-AF65-F5344CB8AC3E}">
         <p14:creationId xmlns:p14="http://schemas.microsoft.com/office/powerpoint/2010/main" val="668901629"/>
+      </p:ext>
+    </p:extLst>
+  </p:cSld>
+  <p:clrMapOvr>
+    <a:masterClrMapping/>
+  </p:clrMapOvr>
+</p:sld>
+</file>
+
+<file path=ppt/slides/slide6.xml><?xml version="1.0" encoding="utf-8"?>
+<p:sld xmlns:a="http://schemas.openxmlformats.org/drawingml/2006/main" xmlns:r="http://schemas.openxmlformats.org/officeDocument/2006/relationships" xmlns:p="http://schemas.openxmlformats.org/presentationml/2006/main">
+  <p:cSld>
+    <p:spTree>
+      <p:nvGrpSpPr>
+        <p:cNvPr id="1" name=""/>
+        <p:cNvGrpSpPr/>
+        <p:nvPr/>
+      </p:nvGrpSpPr>
+      <p:grpSpPr>
+        <a:xfrm>
+          <a:off x="0" y="0"/>
+          <a:ext cx="0" cy="0"/>
+          <a:chOff x="0" y="0"/>
+          <a:chExt cx="0" cy="0"/>
+        </a:xfrm>
+      </p:grpSpPr>
+      <p:sp>
+        <p:nvSpPr>
+          <p:cNvPr id="3" name="内容占位符 2">
+            <a:extLst>
+              <a:ext uri="{FF2B5EF4-FFF2-40B4-BE49-F238E27FC236}">
+                <a16:creationId xmlns:a16="http://schemas.microsoft.com/office/drawing/2014/main" id="{8988FA60-9EE2-4284-A18F-FA156B7ABE4A}"/>
+              </a:ext>
+            </a:extLst>
+          </p:cNvPr>
+          <p:cNvSpPr>
+            <a:spLocks noGrp="1"/>
+          </p:cNvSpPr>
+          <p:nvPr>
+            <p:ph idx="1"/>
+          </p:nvPr>
+        </p:nvSpPr>
+        <p:spPr/>
+        <p:txBody>
+          <a:bodyPr/>
+          <a:lstStyle/>
+          <a:p>
+            <a:pPr marL="0" indent="0">
+              <a:buNone/>
+            </a:pPr>
+            <a:r>
+              <a:rPr lang="en-US" altLang="zh-CN" dirty="0"/>
+              <a:t>12.3 </a:t>
+            </a:r>
+            <a:r>
+              <a:rPr lang="zh-CN" altLang="en-US" dirty="0"/>
+              <a:t>一个简单的压缩程序</a:t>
+            </a:r>
+            <a:endParaRPr lang="en-US" altLang="zh-CN"/>
+          </a:p>
+          <a:p>
+            <a:pPr marL="400050" lvl="1" indent="0">
+              <a:buNone/>
+            </a:pPr>
+            <a:endParaRPr lang="zh-CN" altLang="en-US" sz="1600"/>
+          </a:p>
+        </p:txBody>
+      </p:sp>
+    </p:spTree>
+    <p:extLst>
+      <p:ext uri="{BB962C8B-B14F-4D97-AF65-F5344CB8AC3E}">
+        <p14:creationId xmlns:p14="http://schemas.microsoft.com/office/powerpoint/2010/main" val="2236403824"/>
       </p:ext>
     </p:extLst>
   </p:cSld>
